--- a/Topics/Slides/ClassWriting3LaTeX.pptx
+++ b/Topics/Slides/ClassWriting3LaTeX.pptx
@@ -13,7 +13,7 @@
   <p:sldIdLst>
     <p:sldId id="258" r:id="rId2"/>
     <p:sldId id="377" r:id="rId3"/>
-    <p:sldId id="378" r:id="rId4"/>
+    <p:sldId id="385" r:id="rId4"/>
     <p:sldId id="380" r:id="rId5"/>
     <p:sldId id="381" r:id="rId6"/>
     <p:sldId id="382" r:id="rId7"/>
@@ -233,7 +233,7 @@
           <a:p>
             <a:fld id="{C24322AF-E05B-7249-906C-FBAC6154C037}" type="datetimeFigureOut">
               <a:rPr lang="en-US" smtClean="0"/>
-              <a:t>5/5/19</a:t>
+              <a:t>6/20/25</a:t>
             </a:fld>
             <a:endParaRPr lang="en-US"/>
           </a:p>
@@ -399,7 +399,7 @@
             <a:fld id="{06A43BE5-3BD4-F642-8751-88A31D8D6D13}" type="datetimeFigureOut">
               <a:rPr lang="en-US" smtClean="0"/>
               <a:pPr/>
-              <a:t>5/5/19</a:t>
+              <a:t>6/20/25</a:t>
             </a:fld>
             <a:endParaRPr lang="en-US"/>
           </a:p>
@@ -942,7 +942,7 @@
             <a:fld id="{A4FA2B0E-4818-9849-9CF1-1031FD4E1DAB}" type="datetimeFigureOut">
               <a:rPr lang="en-US" smtClean="0"/>
               <a:pPr/>
-              <a:t>5/5/19</a:t>
+              <a:t>6/20/25</a:t>
             </a:fld>
             <a:endParaRPr lang="en-US"/>
           </a:p>
@@ -1107,7 +1107,7 @@
             <a:fld id="{A4FA2B0E-4818-9849-9CF1-1031FD4E1DAB}" type="datetimeFigureOut">
               <a:rPr lang="en-US" smtClean="0"/>
               <a:pPr/>
-              <a:t>5/5/19</a:t>
+              <a:t>6/20/25</a:t>
             </a:fld>
             <a:endParaRPr lang="en-US"/>
           </a:p>
@@ -1282,7 +1282,7 @@
             <a:fld id="{A4FA2B0E-4818-9849-9CF1-1031FD4E1DAB}" type="datetimeFigureOut">
               <a:rPr lang="en-US" smtClean="0"/>
               <a:pPr/>
-              <a:t>5/5/19</a:t>
+              <a:t>6/20/25</a:t>
             </a:fld>
             <a:endParaRPr lang="en-US"/>
           </a:p>
@@ -1447,7 +1447,7 @@
             <a:fld id="{A4FA2B0E-4818-9849-9CF1-1031FD4E1DAB}" type="datetimeFigureOut">
               <a:rPr lang="en-US" smtClean="0"/>
               <a:pPr/>
-              <a:t>5/5/19</a:t>
+              <a:t>6/20/25</a:t>
             </a:fld>
             <a:endParaRPr lang="en-US"/>
           </a:p>
@@ -1689,7 +1689,7 @@
             <a:fld id="{A4FA2B0E-4818-9849-9CF1-1031FD4E1DAB}" type="datetimeFigureOut">
               <a:rPr lang="en-US" smtClean="0"/>
               <a:pPr/>
-              <a:t>5/5/19</a:t>
+              <a:t>6/20/25</a:t>
             </a:fld>
             <a:endParaRPr lang="en-US"/>
           </a:p>
@@ -1971,7 +1971,7 @@
             <a:fld id="{A4FA2B0E-4818-9849-9CF1-1031FD4E1DAB}" type="datetimeFigureOut">
               <a:rPr lang="en-US" smtClean="0"/>
               <a:pPr/>
-              <a:t>5/5/19</a:t>
+              <a:t>6/20/25</a:t>
             </a:fld>
             <a:endParaRPr lang="en-US"/>
           </a:p>
@@ -2387,7 +2387,7 @@
             <a:fld id="{A4FA2B0E-4818-9849-9CF1-1031FD4E1DAB}" type="datetimeFigureOut">
               <a:rPr lang="en-US" smtClean="0"/>
               <a:pPr/>
-              <a:t>5/5/19</a:t>
+              <a:t>6/20/25</a:t>
             </a:fld>
             <a:endParaRPr lang="en-US"/>
           </a:p>
@@ -2501,7 +2501,7 @@
             <a:fld id="{A4FA2B0E-4818-9849-9CF1-1031FD4E1DAB}" type="datetimeFigureOut">
               <a:rPr lang="en-US" smtClean="0"/>
               <a:pPr/>
-              <a:t>5/5/19</a:t>
+              <a:t>6/20/25</a:t>
             </a:fld>
             <a:endParaRPr lang="en-US"/>
           </a:p>
@@ -2593,7 +2593,7 @@
             <a:fld id="{A4FA2B0E-4818-9849-9CF1-1031FD4E1DAB}" type="datetimeFigureOut">
               <a:rPr lang="en-US" smtClean="0"/>
               <a:pPr/>
-              <a:t>5/5/19</a:t>
+              <a:t>6/20/25</a:t>
             </a:fld>
             <a:endParaRPr lang="en-US"/>
           </a:p>
@@ -2865,7 +2865,7 @@
             <a:fld id="{A4FA2B0E-4818-9849-9CF1-1031FD4E1DAB}" type="datetimeFigureOut">
               <a:rPr lang="en-US" smtClean="0"/>
               <a:pPr/>
-              <a:t>5/5/19</a:t>
+              <a:t>6/20/25</a:t>
             </a:fld>
             <a:endParaRPr lang="en-US"/>
           </a:p>
@@ -3114,7 +3114,7 @@
             <a:fld id="{A4FA2B0E-4818-9849-9CF1-1031FD4E1DAB}" type="datetimeFigureOut">
               <a:rPr lang="en-US" smtClean="0"/>
               <a:pPr/>
-              <a:t>5/5/19</a:t>
+              <a:t>6/20/25</a:t>
             </a:fld>
             <a:endParaRPr lang="en-US"/>
           </a:p>
@@ -3322,7 +3322,7 @@
             <a:fld id="{A4FA2B0E-4818-9849-9CF1-1031FD4E1DAB}" type="datetimeFigureOut">
               <a:rPr lang="en-US" smtClean="0"/>
               <a:pPr/>
-              <a:t>5/5/19</a:t>
+              <a:t>6/20/25</a:t>
             </a:fld>
             <a:endParaRPr lang="en-US"/>
           </a:p>
@@ -4603,7 +4603,7 @@
         <p:spPr>
           <a:xfrm>
             <a:off x="539604" y="945630"/>
-            <a:ext cx="8451996" cy="2923877"/>
+            <a:ext cx="8451996" cy="2831544"/>
           </a:xfrm>
           <a:prstGeom prst="rect">
             <a:avLst/>
@@ -4631,15 +4631,15 @@
           </a:p>
           <a:p>
             <a:r>
-              <a:rPr lang="en-US" sz="2000" dirty="0">
+              <a:rPr lang="en-US" dirty="0">
                 <a:latin typeface="Times New Roman" panose="02020603050405020304" pitchFamily="18" charset="0"/>
                 <a:ea typeface="MS Mincho" panose="02020609040205080304" pitchFamily="49" charset="-128"/>
                 <a:cs typeface="Times New Roman" panose="02020603050405020304" pitchFamily="18" charset="0"/>
                 <a:hlinkClick r:id="rId2"/>
               </a:rPr>
-              <a:t>https://www.overleaf.com/latex/learn/free-online-introduction-to-latex-part-1</a:t>
-            </a:r>
-            <a:endParaRPr lang="en-US" sz="2000" dirty="0">
+              <a:t>https://www.overleaf.com/learn/latex/Free_online_introduction_to_LaTeX_(part_1)</a:t>
+            </a:r>
+            <a:endParaRPr lang="en-US" dirty="0">
               <a:latin typeface="Times New Roman" panose="02020603050405020304" pitchFamily="18" charset="0"/>
               <a:ea typeface="MS Mincho" panose="02020609040205080304" pitchFamily="49" charset="-128"/>
               <a:cs typeface="Times New Roman" panose="02020603050405020304" pitchFamily="18" charset="0"/>
@@ -4672,15 +4672,15 @@
           </a:p>
           <a:p>
             <a:r>
-              <a:rPr lang="en-US" sz="2000" dirty="0">
+              <a:rPr lang="en-US" dirty="0">
                 <a:latin typeface="Times New Roman" panose="02020603050405020304" pitchFamily="18" charset="0"/>
                 <a:ea typeface="MS Mincho" panose="02020609040205080304" pitchFamily="49" charset="-128"/>
                 <a:cs typeface="Times New Roman" panose="02020603050405020304" pitchFamily="18" charset="0"/>
                 <a:hlinkClick r:id="rId3"/>
               </a:rPr>
-              <a:t>https://www.overleaf.com/latex/learn/free-online-introduction-to-latex-part-2</a:t>
-            </a:r>
-            <a:endParaRPr lang="en-US" sz="2000" dirty="0">
+              <a:t>https://www.overleaf.com/learn/latex/Free_online_introduction_to_LaTeX_(part_2)</a:t>
+            </a:r>
+            <a:endParaRPr lang="en-US" dirty="0">
               <a:latin typeface="Times New Roman" panose="02020603050405020304" pitchFamily="18" charset="0"/>
               <a:ea typeface="MS Mincho" panose="02020609040205080304" pitchFamily="49" charset="-128"/>
               <a:cs typeface="Times New Roman" panose="02020603050405020304" pitchFamily="18" charset="0"/>
@@ -4713,15 +4713,15 @@
           </a:p>
           <a:p>
             <a:r>
-              <a:rPr lang="en-US" sz="2000" dirty="0">
+              <a:rPr lang="en-US" dirty="0">
                 <a:latin typeface="Times New Roman" panose="02020603050405020304" pitchFamily="18" charset="0"/>
                 <a:ea typeface="MS Mincho" panose="02020609040205080304" pitchFamily="49" charset="-128"/>
                 <a:cs typeface="Times New Roman" panose="02020603050405020304" pitchFamily="18" charset="0"/>
                 <a:hlinkClick r:id="rId4"/>
               </a:rPr>
-              <a:t>https://www.overleaf.com/latex/learn/free-online-introduction-to-latex-part-3</a:t>
-            </a:r>
-            <a:endParaRPr lang="en-US" sz="2000" dirty="0">
+              <a:t>https://www.overleaf.com/learn/latex/Free_online_introduction_to_LaTeX_(part_3)</a:t>
+            </a:r>
+            <a:endParaRPr lang="en-US" dirty="0">
               <a:latin typeface="Times New Roman" panose="02020603050405020304" pitchFamily="18" charset="0"/>
               <a:ea typeface="MS Mincho" panose="02020609040205080304" pitchFamily="49" charset="-128"/>
               <a:cs typeface="Times New Roman" panose="02020603050405020304" pitchFamily="18" charset="0"/>
@@ -4757,7 +4757,7 @@
     </p:spTree>
     <p:extLst>
       <p:ext uri="{BB962C8B-B14F-4D97-AF65-F5344CB8AC3E}">
-        <p14:creationId xmlns:p14="http://schemas.microsoft.com/office/powerpoint/2010/main" val="1651500416"/>
+        <p14:creationId xmlns:p14="http://schemas.microsoft.com/office/powerpoint/2010/main" val="518096646"/>
       </p:ext>
     </p:extLst>
   </p:cSld>
@@ -4815,64 +4815,15 @@
                                   </p:childTnLst>
                                 </p:cTn>
                               </p:par>
-                            </p:childTnLst>
-                          </p:cTn>
-                        </p:par>
-                      </p:childTnLst>
-                    </p:cTn>
-                  </p:par>
-                  <p:par>
-                    <p:cTn id="7" fill="hold">
-                      <p:stCondLst>
-                        <p:cond delay="indefinite"/>
-                      </p:stCondLst>
-                      <p:childTnLst>
-                        <p:par>
-                          <p:cTn id="8" fill="hold">
-                            <p:stCondLst>
-                              <p:cond delay="0"/>
-                            </p:stCondLst>
-                            <p:childTnLst>
                               <p:par>
-                                <p:cTn id="9" presetID="1" presetClass="entr" presetSubtype="0" fill="hold" nodeType="clickEffect">
+                                <p:cTn id="7" presetID="1" presetClass="entr" presetSubtype="0" fill="hold" nodeType="withEffect">
                                   <p:stCondLst>
                                     <p:cond delay="0"/>
                                   </p:stCondLst>
                                   <p:childTnLst>
                                     <p:set>
                                       <p:cBhvr>
-                                        <p:cTn id="10" dur="1" fill="hold">
-                                          <p:stCondLst>
-                                            <p:cond delay="0"/>
-                                          </p:stCondLst>
-                                        </p:cTn>
-                                        <p:tgtEl>
-                                          <p:spTgt spid="6">
-                                            <p:txEl>
-                                              <p:pRg st="1" end="1"/>
-                                            </p:txEl>
-                                          </p:spTgt>
-                                        </p:tgtEl>
-                                        <p:attrNameLst>
-                                          <p:attrName>style.visibility</p:attrName>
-                                        </p:attrNameLst>
-                                      </p:cBhvr>
-                                      <p:to>
-                                        <p:strVal val="visible"/>
-                                      </p:to>
-                                    </p:set>
-                                  </p:childTnLst>
-                                </p:cTn>
-                              </p:par>
-                              <p:par>
-                                <p:cTn id="11" presetID="1" presetClass="entr" presetSubtype="0" fill="hold" nodeType="withEffect">
-                                  <p:stCondLst>
-                                    <p:cond delay="0"/>
-                                  </p:stCondLst>
-                                  <p:childTnLst>
-                                    <p:set>
-                                      <p:cBhvr>
-                                        <p:cTn id="12" dur="1" fill="hold">
+                                        <p:cTn id="8" dur="1" fill="hold">
                                           <p:stCondLst>
                                             <p:cond delay="0"/>
                                           </p:stCondLst>
@@ -4896,45 +4847,14 @@
                                 </p:cTn>
                               </p:par>
                               <p:par>
-                                <p:cTn id="13" presetID="1" presetClass="entr" presetSubtype="0" fill="hold" nodeType="withEffect">
+                                <p:cTn id="9" presetID="1" presetClass="entr" presetSubtype="0" fill="hold" nodeType="withEffect">
                                   <p:stCondLst>
                                     <p:cond delay="0"/>
                                   </p:stCondLst>
                                   <p:childTnLst>
                                     <p:set>
                                       <p:cBhvr>
-                                        <p:cTn id="14" dur="1" fill="hold">
-                                          <p:stCondLst>
-                                            <p:cond delay="0"/>
-                                          </p:stCondLst>
-                                        </p:cTn>
-                                        <p:tgtEl>
-                                          <p:spTgt spid="6">
-                                            <p:txEl>
-                                              <p:pRg st="4" end="4"/>
-                                            </p:txEl>
-                                          </p:spTgt>
-                                        </p:tgtEl>
-                                        <p:attrNameLst>
-                                          <p:attrName>style.visibility</p:attrName>
-                                        </p:attrNameLst>
-                                      </p:cBhvr>
-                                      <p:to>
-                                        <p:strVal val="visible"/>
-                                      </p:to>
-                                    </p:set>
-                                  </p:childTnLst>
-                                </p:cTn>
-                              </p:par>
-                              <p:par>
-                                <p:cTn id="15" presetID="1" presetClass="entr" presetSubtype="0" fill="hold" nodeType="withEffect">
-                                  <p:stCondLst>
-                                    <p:cond delay="0"/>
-                                  </p:stCondLst>
-                                  <p:childTnLst>
-                                    <p:set>
-                                      <p:cBhvr>
-                                        <p:cTn id="16" dur="1" fill="hold">
+                                        <p:cTn id="10" dur="1" fill="hold">
                                           <p:stCondLst>
                                             <p:cond delay="0"/>
                                           </p:stCondLst>
@@ -4957,37 +4877,6 @@
                                   </p:childTnLst>
                                 </p:cTn>
                               </p:par>
-                              <p:par>
-                                <p:cTn id="17" presetID="1" presetClass="entr" presetSubtype="0" fill="hold" nodeType="withEffect">
-                                  <p:stCondLst>
-                                    <p:cond delay="0"/>
-                                  </p:stCondLst>
-                                  <p:childTnLst>
-                                    <p:set>
-                                      <p:cBhvr>
-                                        <p:cTn id="18" dur="1" fill="hold">
-                                          <p:stCondLst>
-                                            <p:cond delay="0"/>
-                                          </p:stCondLst>
-                                        </p:cTn>
-                                        <p:tgtEl>
-                                          <p:spTgt spid="6">
-                                            <p:txEl>
-                                              <p:pRg st="7" end="7"/>
-                                            </p:txEl>
-                                          </p:spTgt>
-                                        </p:tgtEl>
-                                        <p:attrNameLst>
-                                          <p:attrName>style.visibility</p:attrName>
-                                        </p:attrNameLst>
-                                      </p:cBhvr>
-                                      <p:to>
-                                        <p:strVal val="visible"/>
-                                      </p:to>
-                                    </p:set>
-                                  </p:childTnLst>
-                                </p:cTn>
-                              </p:par>
                             </p:childTnLst>
                           </p:cTn>
                         </p:par>
@@ -4995,26 +4884,26 @@
                     </p:cTn>
                   </p:par>
                   <p:par>
-                    <p:cTn id="19" fill="hold">
+                    <p:cTn id="11" fill="hold">
                       <p:stCondLst>
                         <p:cond delay="indefinite"/>
                       </p:stCondLst>
                       <p:childTnLst>
                         <p:par>
-                          <p:cTn id="20" fill="hold">
+                          <p:cTn id="12" fill="hold">
                             <p:stCondLst>
                               <p:cond delay="0"/>
                             </p:stCondLst>
                             <p:childTnLst>
                               <p:par>
-                                <p:cTn id="21" presetID="1" presetClass="entr" presetSubtype="0" fill="hold" nodeType="clickEffect">
+                                <p:cTn id="13" presetID="1" presetClass="entr" presetSubtype="0" fill="hold" nodeType="clickEffect">
                                   <p:stCondLst>
                                     <p:cond delay="0"/>
                                   </p:stCondLst>
                                   <p:childTnLst>
                                     <p:set>
                                       <p:cBhvr>
-                                        <p:cTn id="22" dur="1" fill="hold">
+                                        <p:cTn id="14" dur="1" fill="hold">
                                           <p:stCondLst>
                                             <p:cond delay="0"/>
                                           </p:stCondLst>
